--- a/Angular Training 1.pptx
+++ b/Angular Training 1.pptx
@@ -32,6 +32,16 @@
     <p:sldId id="282" r:id="rId26"/>
     <p:sldId id="283" r:id="rId27"/>
     <p:sldId id="281" r:id="rId28"/>
+    <p:sldId id="290" r:id="rId29"/>
+    <p:sldId id="284" r:id="rId30"/>
+    <p:sldId id="291" r:id="rId31"/>
+    <p:sldId id="292" r:id="rId32"/>
+    <p:sldId id="285" r:id="rId33"/>
+    <p:sldId id="293" r:id="rId34"/>
+    <p:sldId id="286" r:id="rId35"/>
+    <p:sldId id="287" r:id="rId36"/>
+    <p:sldId id="288" r:id="rId37"/>
+    <p:sldId id="289" r:id="rId38"/>
   </p:sldIdLst>
   <p:sldSz cx="12192000" cy="6858000"/>
   <p:notesSz cx="6858000" cy="9144000"/>
@@ -445,7 +455,7 @@
           <a:p>
             <a:fld id="{12241623-A064-4BED-B073-BA4D61433402}" type="datetime1">
               <a:rPr lang="en-US" smtClean="0"/>
-              <a:t>2/11/2021</a:t>
+              <a:t>2/17/2021</a:t>
             </a:fld>
             <a:endParaRPr lang="en-US" dirty="0"/>
           </a:p>
@@ -1256,7 +1266,7 @@
           <a:p>
             <a:fld id="{6F86ED0C-1DA7-41F0-94CF-6218B1FEDFF1}" type="datetime1">
               <a:rPr lang="en-US" smtClean="0"/>
-              <a:t>2/11/2021</a:t>
+              <a:t>2/17/2021</a:t>
             </a:fld>
             <a:endParaRPr lang="en-US" dirty="0"/>
           </a:p>
@@ -1455,7 +1465,7 @@
           <a:p>
             <a:fld id="{EECF02AB-6034-4B88-BC5A-7C17CB0EF809}" type="datetime1">
               <a:rPr lang="en-US" smtClean="0"/>
-              <a:t>2/11/2021</a:t>
+              <a:t>2/17/2021</a:t>
             </a:fld>
             <a:endParaRPr lang="en-US" dirty="0"/>
           </a:p>
@@ -1690,7 +1700,7 @@
           <a:p>
             <a:fld id="{22F3E5F3-28EE-488F-BD53-B744C06C3DEC}" type="datetime1">
               <a:rPr lang="en-US" smtClean="0"/>
-              <a:t>2/11/2021</a:t>
+              <a:t>2/17/2021</a:t>
             </a:fld>
             <a:endParaRPr lang="en-US" dirty="0"/>
           </a:p>
@@ -4383,7 +4393,7 @@
           <a:p>
             <a:fld id="{E72EB70D-CD01-44DA-83B3-8FEB3383D307}" type="datetime1">
               <a:rPr lang="en-US" smtClean="0"/>
-              <a:t>2/11/2021</a:t>
+              <a:t>2/17/2021</a:t>
             </a:fld>
             <a:endParaRPr lang="en-US" dirty="0"/>
           </a:p>
@@ -4579,7 +4589,7 @@
           <a:p>
             <a:fld id="{D0158CFD-9357-46BE-A189-D637A67C8730}" type="datetime1">
               <a:rPr lang="en-US" smtClean="0"/>
-              <a:t>2/11/2021</a:t>
+              <a:t>2/17/2021</a:t>
             </a:fld>
             <a:endParaRPr lang="en-US" dirty="0"/>
           </a:p>
@@ -4968,7 +4978,7 @@
           <a:p>
             <a:fld id="{7B4742EE-B331-4632-BD10-A82FED6B6FC0}" type="datetime1">
               <a:rPr lang="en-US" smtClean="0"/>
-              <a:t>2/11/2021</a:t>
+              <a:t>2/17/2021</a:t>
             </a:fld>
             <a:endParaRPr lang="en-US" dirty="0"/>
           </a:p>
@@ -5134,7 +5144,7 @@
           <a:p>
             <a:fld id="{451BA835-D13F-49F4-8F11-5D576AC65FAD}" type="datetime1">
               <a:rPr lang="en-US" smtClean="0"/>
-              <a:t>2/11/2021</a:t>
+              <a:t>2/17/2021</a:t>
             </a:fld>
             <a:endParaRPr lang="en-US" dirty="0"/>
           </a:p>
@@ -5257,7 +5267,7 @@
           <a:p>
             <a:fld id="{ADBD1799-ACB5-4CB2-86A2-5C574F1C8706}" type="datetime1">
               <a:rPr lang="en-US" smtClean="0"/>
-              <a:t>2/11/2021</a:t>
+              <a:t>2/17/2021</a:t>
             </a:fld>
             <a:endParaRPr lang="en-US" dirty="0"/>
           </a:p>
@@ -5567,7 +5577,7 @@
           <a:p>
             <a:fld id="{ED5DD0D6-7A82-473E-879B-C6ECD6CCCFEC}" type="datetime1">
               <a:rPr lang="en-US" smtClean="0"/>
-              <a:t>2/11/2021</a:t>
+              <a:t>2/17/2021</a:t>
             </a:fld>
             <a:endParaRPr lang="en-US" dirty="0"/>
           </a:p>
@@ -5867,7 +5877,7 @@
           <a:p>
             <a:fld id="{D4605E03-BC17-41A7-854C-DFAB672737DC}" type="datetime1">
               <a:rPr lang="en-US" smtClean="0"/>
-              <a:t>2/11/2021</a:t>
+              <a:t>2/17/2021</a:t>
             </a:fld>
             <a:endParaRPr lang="en-US" dirty="0"/>
           </a:p>
@@ -6119,7 +6129,7 @@
           <a:p>
             <a:fld id="{C4408324-A84C-4A45-93B6-78D079CCE772}" type="datetime1">
               <a:rPr lang="en-US" smtClean="0"/>
-              <a:t>2/11/2021</a:t>
+              <a:t>2/17/2021</a:t>
             </a:fld>
             <a:endParaRPr lang="en-US" dirty="0"/>
           </a:p>
@@ -12433,10 +12443,589 @@
           </a:p>
         </p:txBody>
       </p:sp>
+      <p:sp>
+        <p:nvSpPr>
+          <p:cNvPr id="2" name="TextBox 1">
+            <a:extLst>
+              <a:ext uri="{FF2B5EF4-FFF2-40B4-BE49-F238E27FC236}">
+                <a16:creationId xmlns:a16="http://schemas.microsoft.com/office/drawing/2014/main" id="{D6F69028-9B13-4A79-8CB2-9C83FDDFC745}"/>
+              </a:ext>
+            </a:extLst>
+          </p:cNvPr>
+          <p:cNvSpPr txBox="1"/>
+          <p:nvPr/>
+        </p:nvSpPr>
+        <p:spPr>
+          <a:xfrm>
+            <a:off x="138545" y="618836"/>
+            <a:ext cx="11988800" cy="6740307"/>
+          </a:xfrm>
+          <a:prstGeom prst="rect">
+            <a:avLst/>
+          </a:prstGeom>
+          <a:noFill/>
+        </p:spPr>
+        <p:txBody>
+          <a:bodyPr wrap="square" rtlCol="0">
+            <a:spAutoFit/>
+          </a:bodyPr>
+          <a:lstStyle/>
+          <a:p>
+            <a:r>
+              <a:rPr lang="en-US" dirty="0"/>
+              <a:t> Datatype determines the type of value that can be stored in a memory reference.</a:t>
+            </a:r>
+          </a:p>
+          <a:p>
+            <a:endParaRPr lang="en-US" dirty="0"/>
+          </a:p>
+          <a:p>
+            <a:pPr marL="285750" indent="-285750">
+              <a:buFontTx/>
+              <a:buChar char="-"/>
+            </a:pPr>
+            <a:r>
+              <a:rPr lang="en-US" dirty="0"/>
+              <a:t>JavaScript is implicitly typed language, the data type for any memory reference will be determined according to the value assigned or initialized.</a:t>
+            </a:r>
+          </a:p>
+          <a:p>
+            <a:r>
+              <a:rPr lang="en-US" dirty="0"/>
+              <a:t>	</a:t>
+            </a:r>
+          </a:p>
+          <a:p>
+            <a:r>
+              <a:rPr lang="en-US" dirty="0"/>
+              <a:t>           var x = 10;       //number</a:t>
+            </a:r>
+          </a:p>
+          <a:p>
+            <a:r>
+              <a:rPr lang="en-US" dirty="0"/>
+              <a:t>	var x = "John"; // string- JavaScript is not strongly typed.</a:t>
+            </a:r>
+          </a:p>
+          <a:p>
+            <a:pPr marL="285750" indent="-285750">
+              <a:buFontTx/>
+              <a:buChar char="-"/>
+            </a:pPr>
+            <a:endParaRPr lang="en-US" dirty="0"/>
+          </a:p>
+          <a:p>
+            <a:pPr marL="285750" indent="-285750">
+              <a:buFontTx/>
+              <a:buChar char="-"/>
+            </a:pPr>
+            <a:r>
+              <a:rPr lang="en-US" dirty="0"/>
+              <a:t> The types will not strictly restrict the value.</a:t>
+            </a:r>
+          </a:p>
+          <a:p>
+            <a:pPr marL="285750" indent="-285750">
+              <a:buFontTx/>
+              <a:buChar char="-"/>
+            </a:pPr>
+            <a:endParaRPr lang="en-US" dirty="0"/>
+          </a:p>
+          <a:p>
+            <a:pPr marL="285750" indent="-285750">
+              <a:buFontTx/>
+              <a:buChar char="-"/>
+            </a:pPr>
+            <a:r>
+              <a:rPr lang="en-US" dirty="0"/>
+              <a:t> It allows to render any value.	</a:t>
+            </a:r>
+          </a:p>
+          <a:p>
+            <a:pPr marL="285750" indent="-285750">
+              <a:buFontTx/>
+              <a:buChar char="-"/>
+            </a:pPr>
+            <a:r>
+              <a:rPr lang="en-US" dirty="0"/>
+              <a:t>	</a:t>
+            </a:r>
+          </a:p>
+          <a:p>
+            <a:r>
+              <a:rPr lang="en-US" dirty="0"/>
+              <a:t>     var x = 10;    // number		</a:t>
+            </a:r>
+          </a:p>
+          <a:p>
+            <a:r>
+              <a:rPr lang="en-US" dirty="0"/>
+              <a:t>     x = "John";  // string - valid		</a:t>
+            </a:r>
+          </a:p>
+          <a:p>
+            <a:r>
+              <a:rPr lang="en-US" dirty="0"/>
+              <a:t>     x = true ;      //</a:t>
+            </a:r>
+          </a:p>
+          <a:p>
+            <a:r>
+              <a:rPr lang="en-US" dirty="0"/>
+              <a:t>     bool – valid</a:t>
+            </a:r>
+          </a:p>
+          <a:p>
+            <a:pPr marL="285750" indent="-285750">
+              <a:buFontTx/>
+              <a:buChar char="-"/>
+            </a:pPr>
+            <a:endParaRPr lang="en-US" dirty="0"/>
+          </a:p>
+          <a:p>
+            <a:pPr marL="285750" indent="-285750">
+              <a:buFontTx/>
+              <a:buChar char="-"/>
+            </a:pPr>
+            <a:r>
+              <a:rPr lang="en-US" dirty="0"/>
+              <a:t>- TypeScript is a strongly typed language.- The data type defined for any variable will allow only the specific type.- Explicitly we have to define the datatype for variable.-</a:t>
+            </a:r>
+          </a:p>
+          <a:p>
+            <a:pPr marL="285750" indent="-285750">
+              <a:buFontTx/>
+              <a:buChar char="-"/>
+            </a:pPr>
+            <a:endParaRPr lang="en-US" dirty="0"/>
+          </a:p>
+          <a:p>
+            <a:pPr marL="285750" indent="-285750">
+              <a:buFontTx/>
+              <a:buChar char="-"/>
+            </a:pPr>
+            <a:r>
+              <a:rPr lang="en-US" dirty="0"/>
+              <a:t> According the value defined , TypeScript can strictly restrict the value type even when the type is not defined.- TypeScript follows a "Duck Typing" mechanism. Note: Duck typing in computer programming is an application of the duck test - "If it walks like a duck and it quacks like a duck, then it must be a duck</a:t>
+            </a:r>
+          </a:p>
+        </p:txBody>
+      </p:sp>
     </p:spTree>
     <p:extLst>
       <p:ext uri="{BB962C8B-B14F-4D97-AF65-F5344CB8AC3E}">
         <p14:creationId xmlns:p14="http://schemas.microsoft.com/office/powerpoint/2010/main" val="843743959"/>
+      </p:ext>
+    </p:extLst>
+  </p:cSld>
+  <p:clrMapOvr>
+    <a:masterClrMapping/>
+  </p:clrMapOvr>
+</p:sld>
+</file>
+
+<file path=ppt/slides/slide28.xml><?xml version="1.0" encoding="utf-8"?>
+<p:sld xmlns:a="http://schemas.openxmlformats.org/drawingml/2006/main" xmlns:r="http://schemas.openxmlformats.org/officeDocument/2006/relationships" xmlns:p="http://schemas.openxmlformats.org/presentationml/2006/main">
+  <p:cSld>
+    <p:spTree>
+      <p:nvGrpSpPr>
+        <p:cNvPr id="1" name=""/>
+        <p:cNvGrpSpPr/>
+        <p:nvPr/>
+      </p:nvGrpSpPr>
+      <p:grpSpPr>
+        <a:xfrm>
+          <a:off x="0" y="0"/>
+          <a:ext cx="0" cy="0"/>
+          <a:chOff x="0" y="0"/>
+          <a:chExt cx="0" cy="0"/>
+        </a:xfrm>
+      </p:grpSpPr>
+      <p:sp>
+        <p:nvSpPr>
+          <p:cNvPr id="2" name="TextBox 1">
+            <a:extLst>
+              <a:ext uri="{FF2B5EF4-FFF2-40B4-BE49-F238E27FC236}">
+                <a16:creationId xmlns:a16="http://schemas.microsoft.com/office/drawing/2014/main" id="{54DD2883-DBE8-402D-BD37-D2D960B32A1F}"/>
+              </a:ext>
+            </a:extLst>
+          </p:cNvPr>
+          <p:cNvSpPr txBox="1"/>
+          <p:nvPr/>
+        </p:nvSpPr>
+        <p:spPr>
+          <a:xfrm>
+            <a:off x="64655" y="258618"/>
+            <a:ext cx="12127345" cy="5632311"/>
+          </a:xfrm>
+          <a:prstGeom prst="rect">
+            <a:avLst/>
+          </a:prstGeom>
+          <a:noFill/>
+        </p:spPr>
+        <p:txBody>
+          <a:bodyPr wrap="square" rtlCol="0">
+            <a:spAutoFit/>
+          </a:bodyPr>
+          <a:lstStyle/>
+          <a:p>
+            <a:pPr marL="285750" indent="-285750">
+              <a:buFontTx/>
+              <a:buChar char="-"/>
+            </a:pPr>
+            <a:r>
+              <a:rPr lang="en-US" dirty="0"/>
+              <a:t>".            To determine if an object can be used for a particular purpose. We can exactly specify and understand what the type of value it can </a:t>
+            </a:r>
+            <a:r>
+              <a:rPr lang="en-US" dirty="0" err="1"/>
+              <a:t>handle.Syntax</a:t>
+            </a:r>
+            <a:r>
+              <a:rPr lang="en-US" dirty="0"/>
+              <a:t>:       </a:t>
+            </a:r>
+          </a:p>
+          <a:p>
+            <a:pPr marL="285750" indent="-285750">
+              <a:buFontTx/>
+              <a:buChar char="-"/>
+            </a:pPr>
+            <a:endParaRPr lang="en-US" dirty="0"/>
+          </a:p>
+          <a:p>
+            <a:pPr marL="285750" indent="-285750">
+              <a:buFontTx/>
+              <a:buChar char="-"/>
+            </a:pPr>
+            <a:r>
+              <a:rPr lang="en-US" dirty="0"/>
+              <a:t>let  </a:t>
+            </a:r>
+            <a:r>
+              <a:rPr lang="en-US" dirty="0" err="1"/>
+              <a:t>variableName</a:t>
+            </a:r>
+            <a:r>
+              <a:rPr lang="en-US" dirty="0"/>
+              <a:t> : </a:t>
+            </a:r>
+            <a:r>
+              <a:rPr lang="en-US" dirty="0" err="1"/>
+              <a:t>dataType</a:t>
+            </a:r>
+            <a:r>
+              <a:rPr lang="en-US" dirty="0"/>
+              <a:t> = value;</a:t>
+            </a:r>
+          </a:p>
+          <a:p>
+            <a:pPr marL="285750" indent="-285750">
+              <a:buFontTx/>
+              <a:buChar char="-"/>
+            </a:pPr>
+            <a:endParaRPr lang="en-US" dirty="0"/>
+          </a:p>
+          <a:p>
+            <a:pPr marL="285750" indent="-285750">
+              <a:buFontTx/>
+              <a:buChar char="-"/>
+            </a:pPr>
+            <a:r>
+              <a:rPr lang="en-US" dirty="0"/>
+              <a:t>- The root type for all datatypes in TypeScript is "any"- "any" is a type that can handle any value.- All datatypes in typescript are derived from "any“</a:t>
+            </a:r>
+          </a:p>
+          <a:p>
+            <a:pPr marL="285750" indent="-285750">
+              <a:buFontTx/>
+              <a:buChar char="-"/>
+            </a:pPr>
+            <a:endParaRPr lang="en-US" dirty="0"/>
+          </a:p>
+          <a:p>
+            <a:pPr marL="285750" indent="-285750">
+              <a:buFontTx/>
+              <a:buChar char="-"/>
+            </a:pPr>
+            <a:r>
+              <a:rPr lang="en-US" dirty="0"/>
+              <a:t>  [ it is the base type for all types ]- </a:t>
+            </a:r>
+          </a:p>
+          <a:p>
+            <a:pPr marL="285750" indent="-285750">
+              <a:buFontTx/>
+              <a:buChar char="-"/>
+            </a:pPr>
+            <a:endParaRPr lang="en-US" dirty="0"/>
+          </a:p>
+          <a:p>
+            <a:pPr marL="285750" indent="-285750">
+              <a:buFontTx/>
+              <a:buChar char="-"/>
+            </a:pPr>
+            <a:endParaRPr lang="en-US" dirty="0"/>
+          </a:p>
+          <a:p>
+            <a:pPr marL="285750" indent="-285750">
+              <a:buFontTx/>
+              <a:buChar char="-"/>
+            </a:pPr>
+            <a:r>
+              <a:rPr lang="en-US" dirty="0"/>
+              <a:t>The datatypes are categorized into 2 groups	</a:t>
+            </a:r>
+          </a:p>
+          <a:p>
+            <a:pPr marL="285750" indent="-285750">
+              <a:buFontTx/>
+              <a:buChar char="-"/>
+            </a:pPr>
+            <a:endParaRPr lang="en-US" dirty="0"/>
+          </a:p>
+          <a:p>
+            <a:pPr marL="285750" indent="-285750">
+              <a:buFontTx/>
+              <a:buChar char="-"/>
+            </a:pPr>
+            <a:r>
+              <a:rPr lang="en-US" dirty="0"/>
+              <a:t>a) Primitive Types	b) Non-Primitive Types</a:t>
+            </a:r>
+          </a:p>
+          <a:p>
+            <a:pPr marL="285750" indent="-285750">
+              <a:buFontTx/>
+              <a:buChar char="-"/>
+            </a:pPr>
+            <a:endParaRPr lang="en-US" dirty="0"/>
+          </a:p>
+          <a:p>
+            <a:pPr marL="285750" indent="-285750">
+              <a:buFontTx/>
+              <a:buChar char="-"/>
+            </a:pPr>
+            <a:r>
+              <a:rPr lang="en-US" dirty="0"/>
+              <a:t>Primitive Types- Stored in memory stack- It uses Last-in First-out- It have a fixed range for value.- Values are stored and accessed directly by using the allocated memory reference name.- The typescript primitive types are	a) number	b) </a:t>
+            </a:r>
+            <a:r>
+              <a:rPr lang="en-US" dirty="0" err="1"/>
+              <a:t>boolean</a:t>
+            </a:r>
+            <a:r>
+              <a:rPr lang="en-US" dirty="0"/>
+              <a:t>	c) string	d) null	e) </a:t>
+            </a:r>
+            <a:r>
+              <a:rPr lang="en-US" dirty="0" err="1"/>
+              <a:t>undefinedSyntax</a:t>
+            </a:r>
+            <a:r>
+              <a:rPr lang="en-US" dirty="0"/>
+              <a:t>:	let  id : number = 1;	id = "John";   // invalid	id = 2 ;           //  valid</a:t>
+            </a:r>
+          </a:p>
+          <a:p>
+            <a:endParaRPr lang="en-US" dirty="0"/>
+          </a:p>
+        </p:txBody>
+      </p:sp>
+    </p:spTree>
+    <p:extLst>
+      <p:ext uri="{BB962C8B-B14F-4D97-AF65-F5344CB8AC3E}">
+        <p14:creationId xmlns:p14="http://schemas.microsoft.com/office/powerpoint/2010/main" val="2555700541"/>
+      </p:ext>
+    </p:extLst>
+  </p:cSld>
+  <p:clrMapOvr>
+    <a:masterClrMapping/>
+  </p:clrMapOvr>
+</p:sld>
+</file>
+
+<file path=ppt/slides/slide29.xml><?xml version="1.0" encoding="utf-8"?>
+<p:sld xmlns:a="http://schemas.openxmlformats.org/drawingml/2006/main" xmlns:r="http://schemas.openxmlformats.org/officeDocument/2006/relationships" xmlns:p="http://schemas.openxmlformats.org/presentationml/2006/main">
+  <p:cSld>
+    <p:spTree>
+      <p:nvGrpSpPr>
+        <p:cNvPr id="1" name=""/>
+        <p:cNvGrpSpPr/>
+        <p:nvPr/>
+      </p:nvGrpSpPr>
+      <p:grpSpPr>
+        <a:xfrm>
+          <a:off x="0" y="0"/>
+          <a:ext cx="0" cy="0"/>
+          <a:chOff x="0" y="0"/>
+          <a:chExt cx="0" cy="0"/>
+        </a:xfrm>
+      </p:grpSpPr>
+      <p:sp>
+        <p:nvSpPr>
+          <p:cNvPr id="2" name="TextBox 1">
+            <a:extLst>
+              <a:ext uri="{FF2B5EF4-FFF2-40B4-BE49-F238E27FC236}">
+                <a16:creationId xmlns:a16="http://schemas.microsoft.com/office/drawing/2014/main" id="{1D1B8FF6-B1A2-4A53-B931-70F535874B18}"/>
+              </a:ext>
+            </a:extLst>
+          </p:cNvPr>
+          <p:cNvSpPr txBox="1"/>
+          <p:nvPr/>
+        </p:nvSpPr>
+        <p:spPr>
+          <a:xfrm>
+            <a:off x="101600" y="101600"/>
+            <a:ext cx="12090400" cy="7294305"/>
+          </a:xfrm>
+          <a:prstGeom prst="rect">
+            <a:avLst/>
+          </a:prstGeom>
+          <a:noFill/>
+        </p:spPr>
+        <p:txBody>
+          <a:bodyPr wrap="square" rtlCol="0">
+            <a:spAutoFit/>
+          </a:bodyPr>
+          <a:lstStyle/>
+          <a:p>
+            <a:r>
+              <a:rPr lang="en-US" dirty="0"/>
+              <a:t>"</a:t>
+            </a:r>
+            <a:r>
+              <a:rPr lang="en-US" b="1" dirty="0"/>
+              <a:t>any" </a:t>
+            </a:r>
+            <a:r>
+              <a:rPr lang="en-US" dirty="0"/>
+              <a:t>is the root type for all data types</a:t>
+            </a:r>
+          </a:p>
+          <a:p>
+            <a:endParaRPr lang="en-US" dirty="0"/>
+          </a:p>
+          <a:p>
+            <a:r>
+              <a:rPr lang="en-US" dirty="0"/>
+              <a:t> 1. Primitive Types</a:t>
+            </a:r>
+          </a:p>
+          <a:p>
+            <a:endParaRPr lang="en-US" dirty="0"/>
+          </a:p>
+          <a:p>
+            <a:endParaRPr lang="en-US" dirty="0"/>
+          </a:p>
+          <a:p>
+            <a:endParaRPr lang="en-US" dirty="0"/>
+          </a:p>
+          <a:p>
+            <a:endParaRPr lang="en-US" dirty="0"/>
+          </a:p>
+          <a:p>
+            <a:endParaRPr lang="en-US" dirty="0"/>
+          </a:p>
+          <a:p>
+            <a:endParaRPr lang="en-US" dirty="0"/>
+          </a:p>
+          <a:p>
+            <a:endParaRPr lang="en-US" dirty="0"/>
+          </a:p>
+          <a:p>
+            <a:endParaRPr lang="en-US" dirty="0"/>
+          </a:p>
+          <a:p>
+            <a:endParaRPr lang="en-US" dirty="0"/>
+          </a:p>
+          <a:p>
+            <a:endParaRPr lang="en-US" dirty="0"/>
+          </a:p>
+          <a:p>
+            <a:endParaRPr lang="en-US" dirty="0"/>
+          </a:p>
+          <a:p>
+            <a:endParaRPr lang="en-US" dirty="0"/>
+          </a:p>
+          <a:p>
+            <a:endParaRPr lang="en-US" dirty="0"/>
+          </a:p>
+          <a:p>
+            <a:endParaRPr lang="en-US" dirty="0"/>
+          </a:p>
+          <a:p>
+            <a:endParaRPr lang="en-US" dirty="0"/>
+          </a:p>
+          <a:p>
+            <a:endParaRPr lang="en-US" dirty="0"/>
+          </a:p>
+          <a:p>
+            <a:endParaRPr lang="en-US" dirty="0"/>
+          </a:p>
+          <a:p>
+            <a:endParaRPr lang="en-US" dirty="0"/>
+          </a:p>
+          <a:p>
+            <a:endParaRPr lang="en-US" dirty="0"/>
+          </a:p>
+          <a:p>
+            <a:endParaRPr lang="en-US" dirty="0"/>
+          </a:p>
+          <a:p>
+            <a:endParaRPr lang="en-US" dirty="0"/>
+          </a:p>
+          <a:p>
+            <a:endParaRPr lang="en-US" dirty="0"/>
+          </a:p>
+          <a:p>
+            <a:r>
+              <a:rPr lang="en-US" dirty="0"/>
+              <a:t>   </a:t>
+            </a:r>
+          </a:p>
+        </p:txBody>
+      </p:sp>
+      <p:pic>
+        <p:nvPicPr>
+          <p:cNvPr id="4" name="Picture 3">
+            <a:extLst>
+              <a:ext uri="{FF2B5EF4-FFF2-40B4-BE49-F238E27FC236}">
+                <a16:creationId xmlns:a16="http://schemas.microsoft.com/office/drawing/2014/main" id="{6C63B729-9303-43FF-BE47-45DB209B566C}"/>
+              </a:ext>
+            </a:extLst>
+          </p:cNvPr>
+          <p:cNvPicPr>
+            <a:picLocks noChangeAspect="1"/>
+          </p:cNvPicPr>
+          <p:nvPr/>
+        </p:nvPicPr>
+        <p:blipFill>
+          <a:blip r:embed="rId2">
+            <a:extLst>
+              <a:ext uri="{28A0092B-C50C-407E-A947-70E740481C1C}">
+                <a14:useLocalDpi xmlns:a14="http://schemas.microsoft.com/office/drawing/2010/main" val="0"/>
+              </a:ext>
+            </a:extLst>
+          </a:blip>
+          <a:stretch>
+            <a:fillRect/>
+          </a:stretch>
+        </p:blipFill>
+        <p:spPr>
+          <a:xfrm>
+            <a:off x="0" y="1048485"/>
+            <a:ext cx="12192000" cy="4761030"/>
+          </a:xfrm>
+          <a:prstGeom prst="rect">
+            <a:avLst/>
+          </a:prstGeom>
+        </p:spPr>
+      </p:pic>
+    </p:spTree>
+    <p:extLst>
+      <p:ext uri="{BB962C8B-B14F-4D97-AF65-F5344CB8AC3E}">
+        <p14:creationId xmlns:p14="http://schemas.microsoft.com/office/powerpoint/2010/main" val="2212858581"/>
       </p:ext>
     </p:extLst>
   </p:cSld>
@@ -12634,6 +13223,1454 @@
     <p:extLst>
       <p:ext uri="{BB962C8B-B14F-4D97-AF65-F5344CB8AC3E}">
         <p14:creationId xmlns:p14="http://schemas.microsoft.com/office/powerpoint/2010/main" val="1101066238"/>
+      </p:ext>
+    </p:extLst>
+  </p:cSld>
+  <p:clrMapOvr>
+    <a:masterClrMapping/>
+  </p:clrMapOvr>
+</p:sld>
+</file>
+
+<file path=ppt/slides/slide30.xml><?xml version="1.0" encoding="utf-8"?>
+<p:sld xmlns:a="http://schemas.openxmlformats.org/drawingml/2006/main" xmlns:r="http://schemas.openxmlformats.org/officeDocument/2006/relationships" xmlns:p="http://schemas.openxmlformats.org/presentationml/2006/main">
+  <p:cSld>
+    <p:spTree>
+      <p:nvGrpSpPr>
+        <p:cNvPr id="1" name=""/>
+        <p:cNvGrpSpPr/>
+        <p:nvPr/>
+      </p:nvGrpSpPr>
+      <p:grpSpPr>
+        <a:xfrm>
+          <a:off x="0" y="0"/>
+          <a:ext cx="0" cy="0"/>
+          <a:chOff x="0" y="0"/>
+          <a:chExt cx="0" cy="0"/>
+        </a:xfrm>
+      </p:grpSpPr>
+      <p:sp>
+        <p:nvSpPr>
+          <p:cNvPr id="2" name="TextBox 1">
+            <a:extLst>
+              <a:ext uri="{FF2B5EF4-FFF2-40B4-BE49-F238E27FC236}">
+                <a16:creationId xmlns:a16="http://schemas.microsoft.com/office/drawing/2014/main" id="{7293A16D-F735-4FC4-8F86-5B005BF4CBBE}"/>
+              </a:ext>
+            </a:extLst>
+          </p:cNvPr>
+          <p:cNvSpPr txBox="1"/>
+          <p:nvPr/>
+        </p:nvSpPr>
+        <p:spPr>
+          <a:xfrm>
+            <a:off x="0" y="129309"/>
+            <a:ext cx="12192000" cy="5355312"/>
+          </a:xfrm>
+          <a:prstGeom prst="rect">
+            <a:avLst/>
+          </a:prstGeom>
+          <a:noFill/>
+        </p:spPr>
+        <p:txBody>
+          <a:bodyPr wrap="square" rtlCol="0">
+            <a:spAutoFit/>
+          </a:bodyPr>
+          <a:lstStyle/>
+          <a:p>
+            <a:r>
+              <a:rPr lang="en-US" b="1" dirty="0"/>
+              <a:t>Primitive Types</a:t>
+            </a:r>
+            <a:r>
+              <a:rPr lang="en-US" dirty="0"/>
+              <a:t>:- </a:t>
+            </a:r>
+          </a:p>
+          <a:p>
+            <a:endParaRPr lang="en-US" dirty="0"/>
+          </a:p>
+          <a:p>
+            <a:r>
+              <a:rPr lang="en-US" dirty="0"/>
+              <a:t>Allocated with stack memory.</a:t>
+            </a:r>
+          </a:p>
+          <a:p>
+            <a:r>
+              <a:rPr lang="en-US" dirty="0"/>
+              <a:t>Stored and accessed by using LIFO [last-in first-out]</a:t>
+            </a:r>
+          </a:p>
+          <a:p>
+            <a:r>
+              <a:rPr lang="en-US" dirty="0"/>
+              <a:t>Have fixed range for value.</a:t>
+            </a:r>
+          </a:p>
+          <a:p>
+            <a:r>
+              <a:rPr lang="en-US" dirty="0"/>
+              <a:t>Values are stored in a direct memory reference and are accessed by using the reference.</a:t>
+            </a:r>
+          </a:p>
+          <a:p>
+            <a:pPr marL="285750" indent="-285750">
+              <a:buFontTx/>
+              <a:buChar char="-"/>
+            </a:pPr>
+            <a:endParaRPr lang="en-US" dirty="0"/>
+          </a:p>
+          <a:p>
+            <a:r>
+              <a:rPr lang="en-US" dirty="0"/>
+              <a:t> TypeScript primitive types are:</a:t>
+            </a:r>
+          </a:p>
+          <a:p>
+            <a:endParaRPr lang="en-US" dirty="0"/>
+          </a:p>
+          <a:p>
+            <a:r>
+              <a:rPr lang="en-US" dirty="0"/>
+              <a:t>   1.number</a:t>
+            </a:r>
+          </a:p>
+          <a:p>
+            <a:r>
+              <a:rPr lang="en-US" dirty="0"/>
+              <a:t>   2. Boolean</a:t>
+            </a:r>
+          </a:p>
+          <a:p>
+            <a:r>
+              <a:rPr lang="en-US" dirty="0"/>
+              <a:t>   3. string	</a:t>
+            </a:r>
+          </a:p>
+          <a:p>
+            <a:r>
+              <a:rPr lang="en-US" dirty="0"/>
+              <a:t>   4. null</a:t>
+            </a:r>
+          </a:p>
+          <a:p>
+            <a:r>
+              <a:rPr lang="en-US" dirty="0"/>
+              <a:t>   5. undefined</a:t>
+            </a:r>
+          </a:p>
+          <a:p>
+            <a:endParaRPr lang="en-US" dirty="0"/>
+          </a:p>
+          <a:p>
+            <a:r>
+              <a:rPr lang="en-US" dirty="0"/>
+              <a:t>  </a:t>
+            </a:r>
+            <a:r>
+              <a:rPr lang="en-US" dirty="0" err="1"/>
+              <a:t>Syntax:let</a:t>
+            </a:r>
+            <a:r>
+              <a:rPr lang="en-US" dirty="0"/>
+              <a:t>  </a:t>
+            </a:r>
+            <a:r>
+              <a:rPr lang="en-US" dirty="0" err="1"/>
+              <a:t>variableName</a:t>
+            </a:r>
+            <a:r>
+              <a:rPr lang="en-US" dirty="0"/>
+              <a:t>: </a:t>
+            </a:r>
+            <a:r>
+              <a:rPr lang="en-US" dirty="0" err="1"/>
+              <a:t>dataType</a:t>
+            </a:r>
+            <a:r>
+              <a:rPr lang="en-US" dirty="0"/>
+              <a:t> = value;</a:t>
+            </a:r>
+          </a:p>
+          <a:p>
+            <a:r>
+              <a:rPr lang="en-US" dirty="0"/>
+              <a:t>Note: TypeScript is case sensitive.</a:t>
+            </a:r>
+          </a:p>
+          <a:p>
+            <a:r>
+              <a:rPr lang="en-US" dirty="0"/>
+              <a:t>                                      </a:t>
+            </a:r>
+          </a:p>
+          <a:p>
+            <a:endParaRPr lang="en-US" dirty="0"/>
+          </a:p>
+        </p:txBody>
+      </p:sp>
+    </p:spTree>
+    <p:extLst>
+      <p:ext uri="{BB962C8B-B14F-4D97-AF65-F5344CB8AC3E}">
+        <p14:creationId xmlns:p14="http://schemas.microsoft.com/office/powerpoint/2010/main" val="1770862762"/>
+      </p:ext>
+    </p:extLst>
+  </p:cSld>
+  <p:clrMapOvr>
+    <a:masterClrMapping/>
+  </p:clrMapOvr>
+</p:sld>
+</file>
+
+<file path=ppt/slides/slide31.xml><?xml version="1.0" encoding="utf-8"?>
+<p:sld xmlns:a="http://schemas.openxmlformats.org/drawingml/2006/main" xmlns:r="http://schemas.openxmlformats.org/officeDocument/2006/relationships" xmlns:p="http://schemas.openxmlformats.org/presentationml/2006/main">
+  <p:cSld>
+    <p:spTree>
+      <p:nvGrpSpPr>
+        <p:cNvPr id="1" name=""/>
+        <p:cNvGrpSpPr/>
+        <p:nvPr/>
+      </p:nvGrpSpPr>
+      <p:grpSpPr>
+        <a:xfrm>
+          <a:off x="0" y="0"/>
+          <a:ext cx="0" cy="0"/>
+          <a:chOff x="0" y="0"/>
+          <a:chExt cx="0" cy="0"/>
+        </a:xfrm>
+      </p:grpSpPr>
+      <p:sp>
+        <p:nvSpPr>
+          <p:cNvPr id="2" name="TextBox 1">
+            <a:extLst>
+              <a:ext uri="{FF2B5EF4-FFF2-40B4-BE49-F238E27FC236}">
+                <a16:creationId xmlns:a16="http://schemas.microsoft.com/office/drawing/2014/main" id="{0A0559A9-5C0B-469F-9BC5-637C1040AD13}"/>
+              </a:ext>
+            </a:extLst>
+          </p:cNvPr>
+          <p:cNvSpPr txBox="1"/>
+          <p:nvPr/>
+        </p:nvSpPr>
+        <p:spPr>
+          <a:xfrm>
+            <a:off x="0" y="120073"/>
+            <a:ext cx="12192000" cy="4524315"/>
+          </a:xfrm>
+          <a:prstGeom prst="rect">
+            <a:avLst/>
+          </a:prstGeom>
+          <a:noFill/>
+        </p:spPr>
+        <p:txBody>
+          <a:bodyPr wrap="square" rtlCol="0">
+            <a:spAutoFit/>
+          </a:bodyPr>
+          <a:lstStyle/>
+          <a:p>
+            <a:endParaRPr lang="en-US" dirty="0"/>
+          </a:p>
+          <a:p>
+            <a:r>
+              <a:rPr lang="en-US" b="1" dirty="0"/>
+              <a:t>Type Script Primitive Types</a:t>
+            </a:r>
+            <a:r>
+              <a:rPr lang="en-US" dirty="0"/>
+              <a:t>:</a:t>
+            </a:r>
+          </a:p>
+          <a:p>
+            <a:endParaRPr lang="en-US" dirty="0"/>
+          </a:p>
+          <a:p>
+            <a:endParaRPr lang="en-US" dirty="0"/>
+          </a:p>
+          <a:p>
+            <a:r>
+              <a:rPr lang="en-US" dirty="0"/>
+              <a:t> Number Type:- Number type is used to store numeric value.</a:t>
+            </a:r>
+          </a:p>
+          <a:p>
+            <a:r>
+              <a:rPr lang="en-US" dirty="0"/>
+              <a:t> Number type is defined by using "number" keyword</a:t>
+            </a:r>
+          </a:p>
+          <a:p>
+            <a:r>
+              <a:rPr lang="en-US" dirty="0"/>
+              <a:t> You can use number type for storing	</a:t>
+            </a:r>
+          </a:p>
+          <a:p>
+            <a:r>
+              <a:rPr lang="en-US" dirty="0"/>
+              <a:t> Signed Integer	  - 10	</a:t>
+            </a:r>
+          </a:p>
+          <a:p>
+            <a:r>
+              <a:rPr lang="en-US" dirty="0"/>
+              <a:t> Unsigned </a:t>
+            </a:r>
+            <a:r>
+              <a:rPr lang="en-US" dirty="0" err="1"/>
+              <a:t>Interger</a:t>
+            </a:r>
+            <a:r>
+              <a:rPr lang="en-US" dirty="0"/>
+              <a:t> 10</a:t>
+            </a:r>
+          </a:p>
+          <a:p>
+            <a:r>
+              <a:rPr lang="en-US" dirty="0"/>
+              <a:t> Floating Point	    4.5</a:t>
+            </a:r>
+          </a:p>
+          <a:p>
+            <a:r>
+              <a:rPr lang="en-US" dirty="0"/>
+              <a:t> Double		540.560</a:t>
+            </a:r>
+          </a:p>
+          <a:p>
+            <a:r>
+              <a:rPr lang="en-US" dirty="0"/>
+              <a:t> Decimal	4.607969588543 [29]	</a:t>
+            </a:r>
+          </a:p>
+          <a:p>
+            <a:r>
+              <a:rPr lang="en-US" dirty="0"/>
+              <a:t> Exponent	2e3   2x10[3] = 2000	</a:t>
+            </a:r>
+          </a:p>
+          <a:p>
+            <a:r>
+              <a:rPr lang="en-US" dirty="0"/>
+              <a:t> Hexadecimal	0xf00d	</a:t>
+            </a:r>
+          </a:p>
+          <a:p>
+            <a:r>
+              <a:rPr lang="en-US" dirty="0"/>
+              <a:t> Binary             0b1010	</a:t>
+            </a:r>
+          </a:p>
+          <a:p>
+            <a:r>
+              <a:rPr lang="en-US" dirty="0"/>
+              <a:t> Octal 		0o744</a:t>
+            </a:r>
+          </a:p>
+        </p:txBody>
+      </p:sp>
+    </p:spTree>
+    <p:extLst>
+      <p:ext uri="{BB962C8B-B14F-4D97-AF65-F5344CB8AC3E}">
+        <p14:creationId xmlns:p14="http://schemas.microsoft.com/office/powerpoint/2010/main" val="482546635"/>
+      </p:ext>
+    </p:extLst>
+  </p:cSld>
+  <p:clrMapOvr>
+    <a:masterClrMapping/>
+  </p:clrMapOvr>
+</p:sld>
+</file>
+
+<file path=ppt/slides/slide32.xml><?xml version="1.0" encoding="utf-8"?>
+<p:sld xmlns:a="http://schemas.openxmlformats.org/drawingml/2006/main" xmlns:r="http://schemas.openxmlformats.org/officeDocument/2006/relationships" xmlns:p="http://schemas.openxmlformats.org/presentationml/2006/main">
+  <p:cSld>
+    <p:spTree>
+      <p:nvGrpSpPr>
+        <p:cNvPr id="1" name=""/>
+        <p:cNvGrpSpPr/>
+        <p:nvPr/>
+      </p:nvGrpSpPr>
+      <p:grpSpPr>
+        <a:xfrm>
+          <a:off x="0" y="0"/>
+          <a:ext cx="0" cy="0"/>
+          <a:chOff x="0" y="0"/>
+          <a:chExt cx="0" cy="0"/>
+        </a:xfrm>
+      </p:grpSpPr>
+      <p:sp>
+        <p:nvSpPr>
+          <p:cNvPr id="2" name="TextBox 1">
+            <a:extLst>
+              <a:ext uri="{FF2B5EF4-FFF2-40B4-BE49-F238E27FC236}">
+                <a16:creationId xmlns:a16="http://schemas.microsoft.com/office/drawing/2014/main" id="{347333F5-D474-4EEE-9BAB-B6397249710D}"/>
+              </a:ext>
+            </a:extLst>
+          </p:cNvPr>
+          <p:cNvSpPr txBox="1"/>
+          <p:nvPr/>
+        </p:nvSpPr>
+        <p:spPr>
+          <a:xfrm>
+            <a:off x="101600" y="193964"/>
+            <a:ext cx="12090400" cy="6463308"/>
+          </a:xfrm>
+          <a:prstGeom prst="rect">
+            <a:avLst/>
+          </a:prstGeom>
+          <a:noFill/>
+        </p:spPr>
+        <p:txBody>
+          <a:bodyPr wrap="square" rtlCol="0">
+            <a:spAutoFit/>
+          </a:bodyPr>
+          <a:lstStyle/>
+          <a:p>
+            <a:endParaRPr lang="en-US" dirty="0"/>
+          </a:p>
+          <a:p>
+            <a:r>
+              <a:rPr lang="en-US" b="1" dirty="0"/>
+              <a:t>Boolean Type </a:t>
+            </a:r>
+          </a:p>
+          <a:p>
+            <a:r>
+              <a:rPr lang="en-US" dirty="0"/>
+              <a:t>Boolean values are used for decision making.</a:t>
+            </a:r>
+          </a:p>
+          <a:p>
+            <a:r>
+              <a:rPr lang="en-US" dirty="0"/>
+              <a:t>Boolean types in </a:t>
+            </a:r>
+            <a:r>
+              <a:rPr lang="en-US" dirty="0" err="1"/>
+              <a:t>javascript</a:t>
+            </a:r>
+            <a:r>
+              <a:rPr lang="en-US" dirty="0"/>
+              <a:t> are defined with "true/false" and also "0/1".</a:t>
+            </a:r>
+          </a:p>
+          <a:p>
+            <a:r>
+              <a:rPr lang="en-US" dirty="0"/>
+              <a:t>	true	= 1	false	= 0</a:t>
+            </a:r>
+          </a:p>
+          <a:p>
+            <a:r>
+              <a:rPr lang="en-US" dirty="0"/>
+              <a:t>TypeScript </a:t>
+            </a:r>
+            <a:r>
+              <a:rPr lang="en-US" dirty="0" err="1"/>
+              <a:t>boolean</a:t>
+            </a:r>
+            <a:r>
+              <a:rPr lang="en-US" dirty="0"/>
+              <a:t> types are defined only by using "true or false" not 0 and 1.</a:t>
+            </a:r>
+          </a:p>
+          <a:p>
+            <a:r>
+              <a:rPr lang="en-US" dirty="0"/>
+              <a:t>Boolean conditions are also verified only by using "true or false" not 0 and 1.</a:t>
+            </a:r>
+          </a:p>
+          <a:p>
+            <a:r>
+              <a:rPr lang="en-US" dirty="0"/>
+              <a:t>Boolean types are declared by using the keyword "</a:t>
+            </a:r>
+            <a:r>
+              <a:rPr lang="en-US" dirty="0" err="1"/>
+              <a:t>boolean</a:t>
+            </a:r>
+            <a:r>
+              <a:rPr lang="en-US" dirty="0"/>
+              <a:t>".</a:t>
+            </a:r>
+          </a:p>
+          <a:p>
+            <a:endParaRPr lang="en-US" dirty="0"/>
+          </a:p>
+          <a:p>
+            <a:r>
+              <a:rPr lang="en-US" dirty="0"/>
+              <a:t>Syntax:	let  </a:t>
+            </a:r>
+            <a:r>
+              <a:rPr lang="en-US" dirty="0" err="1"/>
+              <a:t>isInStock:boolean</a:t>
+            </a:r>
+            <a:r>
+              <a:rPr lang="en-US" dirty="0"/>
+              <a:t> = true;</a:t>
+            </a:r>
+          </a:p>
+          <a:p>
+            <a:r>
+              <a:rPr lang="en-US" dirty="0"/>
+              <a:t>	if(</a:t>
+            </a:r>
+            <a:r>
+              <a:rPr lang="en-US" dirty="0" err="1"/>
+              <a:t>isInStock</a:t>
+            </a:r>
+            <a:r>
+              <a:rPr lang="en-US" dirty="0"/>
+              <a:t>==true)	// valid	</a:t>
+            </a:r>
+          </a:p>
+          <a:p>
+            <a:endParaRPr lang="en-US" dirty="0"/>
+          </a:p>
+          <a:p>
+            <a:r>
+              <a:rPr lang="en-US" dirty="0"/>
+              <a:t>if(</a:t>
+            </a:r>
+            <a:r>
+              <a:rPr lang="en-US" dirty="0" err="1"/>
+              <a:t>isInStock</a:t>
+            </a:r>
+            <a:r>
+              <a:rPr lang="en-US" dirty="0"/>
+              <a:t>==1)	// invalid3.</a:t>
+            </a:r>
+          </a:p>
+          <a:p>
+            <a:endParaRPr lang="en-US" dirty="0"/>
+          </a:p>
+          <a:p>
+            <a:endParaRPr lang="en-US" dirty="0"/>
+          </a:p>
+          <a:p>
+            <a:endParaRPr lang="en-US" dirty="0"/>
+          </a:p>
+          <a:p>
+            <a:endParaRPr lang="en-US" dirty="0"/>
+          </a:p>
+          <a:p>
+            <a:r>
+              <a:rPr lang="en-US" dirty="0"/>
+              <a:t> String Type- String is a literal with a group of characters enclosed in 	</a:t>
+            </a:r>
+          </a:p>
+          <a:p>
+            <a:endParaRPr lang="en-US" dirty="0"/>
+          </a:p>
+          <a:p>
+            <a:pPr marL="342900" indent="-342900">
+              <a:buAutoNum type="alphaLcParenR"/>
+            </a:pPr>
+            <a:r>
+              <a:rPr lang="en-US" dirty="0"/>
+              <a:t>double quotes	" "	</a:t>
+            </a:r>
+          </a:p>
+          <a:p>
+            <a:pPr marL="342900" indent="-342900">
+              <a:buAutoNum type="alphaLcParenR"/>
+            </a:pPr>
+            <a:r>
+              <a:rPr lang="en-US" dirty="0"/>
+              <a:t>b) single quotes	'  ‘	</a:t>
+            </a:r>
+          </a:p>
+          <a:p>
+            <a:pPr marL="342900" indent="-342900">
+              <a:buAutoNum type="alphaLcParenR"/>
+            </a:pPr>
+            <a:r>
+              <a:rPr lang="en-US" dirty="0"/>
+              <a:t>c) backtick	` `  </a:t>
+            </a:r>
+          </a:p>
+          <a:p>
+            <a:endParaRPr lang="en-US" dirty="0"/>
+          </a:p>
+        </p:txBody>
+      </p:sp>
+    </p:spTree>
+    <p:extLst>
+      <p:ext uri="{BB962C8B-B14F-4D97-AF65-F5344CB8AC3E}">
+        <p14:creationId xmlns:p14="http://schemas.microsoft.com/office/powerpoint/2010/main" val="2967126880"/>
+      </p:ext>
+    </p:extLst>
+  </p:cSld>
+  <p:clrMapOvr>
+    <a:masterClrMapping/>
+  </p:clrMapOvr>
+</p:sld>
+</file>
+
+<file path=ppt/slides/slide33.xml><?xml version="1.0" encoding="utf-8"?>
+<p:sld xmlns:a="http://schemas.openxmlformats.org/drawingml/2006/main" xmlns:r="http://schemas.openxmlformats.org/officeDocument/2006/relationships" xmlns:p="http://schemas.openxmlformats.org/presentationml/2006/main">
+  <p:cSld>
+    <p:spTree>
+      <p:nvGrpSpPr>
+        <p:cNvPr id="1" name=""/>
+        <p:cNvGrpSpPr/>
+        <p:nvPr/>
+      </p:nvGrpSpPr>
+      <p:grpSpPr>
+        <a:xfrm>
+          <a:off x="0" y="0"/>
+          <a:ext cx="0" cy="0"/>
+          <a:chOff x="0" y="0"/>
+          <a:chExt cx="0" cy="0"/>
+        </a:xfrm>
+      </p:grpSpPr>
+      <p:sp>
+        <p:nvSpPr>
+          <p:cNvPr id="3" name="TextBox 2">
+            <a:extLst>
+              <a:ext uri="{FF2B5EF4-FFF2-40B4-BE49-F238E27FC236}">
+                <a16:creationId xmlns:a16="http://schemas.microsoft.com/office/drawing/2014/main" id="{03B6C57D-1A67-4873-8BD2-5AC88FBCC1C8}"/>
+              </a:ext>
+            </a:extLst>
+          </p:cNvPr>
+          <p:cNvSpPr txBox="1"/>
+          <p:nvPr/>
+        </p:nvSpPr>
+        <p:spPr>
+          <a:xfrm>
+            <a:off x="0" y="0"/>
+            <a:ext cx="12192000" cy="6186309"/>
+          </a:xfrm>
+          <a:prstGeom prst="rect">
+            <a:avLst/>
+          </a:prstGeom>
+          <a:noFill/>
+        </p:spPr>
+        <p:txBody>
+          <a:bodyPr wrap="square" rtlCol="0">
+            <a:spAutoFit/>
+          </a:bodyPr>
+          <a:lstStyle/>
+          <a:p>
+            <a:r>
+              <a:rPr lang="en-US" dirty="0"/>
+              <a:t> - A string literal contains alpha numeric and special characters.</a:t>
+            </a:r>
+          </a:p>
+          <a:p>
+            <a:r>
+              <a:rPr lang="en-US" dirty="0"/>
+              <a:t> - String is declared by using the keyword "string".</a:t>
+            </a:r>
+          </a:p>
+          <a:p>
+            <a:r>
+              <a:rPr lang="en-US" dirty="0"/>
+              <a:t> - String is enclosed with double, single quote or backtick.</a:t>
+            </a:r>
+          </a:p>
+          <a:p>
+            <a:r>
+              <a:rPr lang="en-US" dirty="0"/>
+              <a:t> - We can use double and single quotes to swap between the outer and inner string.</a:t>
+            </a:r>
+          </a:p>
+          <a:p>
+            <a:endParaRPr lang="en-US" dirty="0"/>
+          </a:p>
+          <a:p>
+            <a:r>
+              <a:rPr lang="en-US" dirty="0"/>
+              <a:t>     </a:t>
+            </a:r>
+            <a:r>
+              <a:rPr lang="en-US" dirty="0" err="1"/>
+              <a:t>Syntax:let</a:t>
+            </a:r>
+            <a:r>
+              <a:rPr lang="en-US" dirty="0"/>
+              <a:t> </a:t>
+            </a:r>
+            <a:r>
+              <a:rPr lang="en-US" dirty="0" err="1"/>
+              <a:t>userName:string</a:t>
+            </a:r>
+            <a:r>
+              <a:rPr lang="en-US" dirty="0"/>
+              <a:t>	= "John";		// valid  </a:t>
+            </a:r>
+          </a:p>
+          <a:p>
+            <a:r>
+              <a:rPr lang="en-US" dirty="0"/>
+              <a:t>     </a:t>
+            </a:r>
+          </a:p>
+          <a:p>
+            <a:r>
+              <a:rPr lang="en-US" dirty="0"/>
+              <a:t>         let </a:t>
+            </a:r>
+            <a:r>
+              <a:rPr lang="en-US" dirty="0" err="1"/>
+              <a:t>userName:string</a:t>
+            </a:r>
+            <a:r>
+              <a:rPr lang="en-US" dirty="0"/>
+              <a:t> =  'John';		// valid</a:t>
+            </a:r>
+          </a:p>
+          <a:p>
+            <a:endParaRPr lang="en-US" dirty="0"/>
+          </a:p>
+          <a:p>
+            <a:r>
+              <a:rPr lang="en-US" dirty="0"/>
+              <a:t>      let </a:t>
+            </a:r>
+            <a:r>
+              <a:rPr lang="en-US" dirty="0" err="1"/>
+              <a:t>userName:string</a:t>
+            </a:r>
+            <a:r>
+              <a:rPr lang="en-US" dirty="0"/>
+              <a:t> = `John`;		// valid-</a:t>
+            </a:r>
+          </a:p>
+          <a:p>
+            <a:endParaRPr lang="en-US" dirty="0"/>
+          </a:p>
+          <a:p>
+            <a:r>
+              <a:rPr lang="en-US" dirty="0"/>
+              <a:t> Single and Double quotes can swap between inner and outer string:</a:t>
+            </a:r>
+          </a:p>
+          <a:p>
+            <a:endParaRPr lang="en-US" dirty="0"/>
+          </a:p>
+          <a:p>
+            <a:endParaRPr lang="en-US" dirty="0"/>
+          </a:p>
+          <a:p>
+            <a:r>
+              <a:rPr lang="en-US" dirty="0"/>
+              <a:t>let </a:t>
+            </a:r>
+            <a:r>
+              <a:rPr lang="en-US" dirty="0" err="1"/>
+              <a:t>msg:string</a:t>
+            </a:r>
+            <a:r>
+              <a:rPr lang="en-US" dirty="0"/>
+              <a:t> = "alert('Hello !’)”;     // valid</a:t>
+            </a:r>
+          </a:p>
+          <a:p>
+            <a:endParaRPr lang="en-US" dirty="0"/>
+          </a:p>
+          <a:p>
+            <a:endParaRPr lang="en-US" dirty="0"/>
+          </a:p>
+          <a:p>
+            <a:r>
+              <a:rPr lang="en-US" dirty="0"/>
+              <a:t>let </a:t>
+            </a:r>
+            <a:r>
+              <a:rPr lang="en-US" dirty="0" err="1"/>
+              <a:t>msg:string</a:t>
+            </a:r>
+            <a:r>
+              <a:rPr lang="en-US" dirty="0"/>
+              <a:t> = 'alert("Hello !")';	// valid</a:t>
+            </a:r>
+          </a:p>
+          <a:p>
+            <a:endParaRPr lang="en-US" dirty="0"/>
+          </a:p>
+          <a:p>
+            <a:r>
+              <a:rPr lang="en-US" dirty="0"/>
+              <a:t>let </a:t>
+            </a:r>
+            <a:r>
+              <a:rPr lang="en-US" dirty="0" err="1"/>
+              <a:t>msg:string</a:t>
+            </a:r>
+            <a:r>
+              <a:rPr lang="en-US" dirty="0"/>
+              <a:t> = 'alert('Hello !')';	// invalid</a:t>
+            </a:r>
+          </a:p>
+          <a:p>
+            <a:endParaRPr lang="en-US" dirty="0"/>
+          </a:p>
+          <a:p>
+            <a:r>
+              <a:rPr lang="en-US" dirty="0"/>
+              <a:t>let </a:t>
+            </a:r>
+            <a:r>
+              <a:rPr lang="en-US" dirty="0" err="1"/>
+              <a:t>msg:string</a:t>
+            </a:r>
+            <a:r>
+              <a:rPr lang="en-US" dirty="0"/>
+              <a:t> = "alert("Hello !")";	// invalid-</a:t>
+            </a:r>
+          </a:p>
+        </p:txBody>
+      </p:sp>
+    </p:spTree>
+    <p:extLst>
+      <p:ext uri="{BB962C8B-B14F-4D97-AF65-F5344CB8AC3E}">
+        <p14:creationId xmlns:p14="http://schemas.microsoft.com/office/powerpoint/2010/main" val="2374393486"/>
+      </p:ext>
+    </p:extLst>
+  </p:cSld>
+  <p:clrMapOvr>
+    <a:masterClrMapping/>
+  </p:clrMapOvr>
+</p:sld>
+</file>
+
+<file path=ppt/slides/slide34.xml><?xml version="1.0" encoding="utf-8"?>
+<p:sld xmlns:a="http://schemas.openxmlformats.org/drawingml/2006/main" xmlns:r="http://schemas.openxmlformats.org/officeDocument/2006/relationships" xmlns:p="http://schemas.openxmlformats.org/presentationml/2006/main">
+  <p:cSld>
+    <p:spTree>
+      <p:nvGrpSpPr>
+        <p:cNvPr id="1" name=""/>
+        <p:cNvGrpSpPr/>
+        <p:nvPr/>
+      </p:nvGrpSpPr>
+      <p:grpSpPr>
+        <a:xfrm>
+          <a:off x="0" y="0"/>
+          <a:ext cx="0" cy="0"/>
+          <a:chOff x="0" y="0"/>
+          <a:chExt cx="0" cy="0"/>
+        </a:xfrm>
+      </p:grpSpPr>
+      <p:sp>
+        <p:nvSpPr>
+          <p:cNvPr id="3" name="TextBox 2">
+            <a:extLst>
+              <a:ext uri="{FF2B5EF4-FFF2-40B4-BE49-F238E27FC236}">
+                <a16:creationId xmlns:a16="http://schemas.microsoft.com/office/drawing/2014/main" id="{03F1612E-5F8F-4AB4-84AF-1164644F64DE}"/>
+              </a:ext>
+            </a:extLst>
+          </p:cNvPr>
+          <p:cNvSpPr txBox="1"/>
+          <p:nvPr/>
+        </p:nvSpPr>
+        <p:spPr>
+          <a:xfrm>
+            <a:off x="101600" y="175491"/>
+            <a:ext cx="12090400" cy="5632311"/>
+          </a:xfrm>
+          <a:prstGeom prst="rect">
+            <a:avLst/>
+          </a:prstGeom>
+          <a:noFill/>
+        </p:spPr>
+        <p:txBody>
+          <a:bodyPr wrap="square" rtlCol="0">
+            <a:spAutoFit/>
+          </a:bodyPr>
+          <a:lstStyle/>
+          <a:p>
+            <a:r>
+              <a:rPr lang="en-US" dirty="0" err="1"/>
+              <a:t>BackTick</a:t>
+            </a:r>
+            <a:r>
+              <a:rPr lang="en-US" dirty="0"/>
+              <a:t> was introduced into JavaScript from version ES5.</a:t>
+            </a:r>
+          </a:p>
+          <a:p>
+            <a:endParaRPr lang="en-US" dirty="0"/>
+          </a:p>
+          <a:p>
+            <a:pPr marL="285750" indent="-285750">
+              <a:buFontTx/>
+              <a:buChar char="-"/>
+            </a:pPr>
+            <a:r>
+              <a:rPr lang="en-US" dirty="0" err="1"/>
+              <a:t>BackTick</a:t>
+            </a:r>
+            <a:r>
+              <a:rPr lang="en-US" dirty="0"/>
+              <a:t> defines a string </a:t>
+            </a:r>
+            <a:r>
+              <a:rPr lang="en-US" dirty="0" err="1"/>
+              <a:t>embeded</a:t>
+            </a:r>
+            <a:r>
+              <a:rPr lang="en-US" dirty="0"/>
+              <a:t> with expression.- </a:t>
+            </a:r>
+          </a:p>
+          <a:p>
+            <a:pPr marL="285750" indent="-285750">
+              <a:buFontTx/>
+              <a:buChar char="-"/>
+            </a:pPr>
+            <a:endParaRPr lang="en-US" dirty="0"/>
+          </a:p>
+          <a:p>
+            <a:pPr marL="285750" indent="-285750">
+              <a:buFontTx/>
+              <a:buChar char="-"/>
+            </a:pPr>
+            <a:r>
+              <a:rPr lang="en-US" dirty="0"/>
+              <a:t>Expression in a string representation is defined by using  "${ }“</a:t>
+            </a:r>
+          </a:p>
+          <a:p>
+            <a:pPr marL="285750" indent="-285750">
+              <a:buFontTx/>
+              <a:buChar char="-"/>
+            </a:pPr>
+            <a:endParaRPr lang="en-US" dirty="0"/>
+          </a:p>
+          <a:p>
+            <a:pPr marL="285750" indent="-285750">
+              <a:buFontTx/>
+              <a:buChar char="-"/>
+            </a:pPr>
+            <a:r>
+              <a:rPr lang="en-US" dirty="0"/>
+              <a:t>- </a:t>
+            </a:r>
+            <a:r>
+              <a:rPr lang="en-US" dirty="0" err="1"/>
+              <a:t>BackTick</a:t>
+            </a:r>
+            <a:r>
+              <a:rPr lang="en-US" dirty="0"/>
+              <a:t> is used for templated string.</a:t>
+            </a:r>
+          </a:p>
+          <a:p>
+            <a:pPr marL="285750" indent="-285750">
+              <a:buFontTx/>
+              <a:buChar char="-"/>
+            </a:pPr>
+            <a:r>
+              <a:rPr lang="en-US" dirty="0"/>
+              <a:t>- Templated string comprises of presentation and logic.</a:t>
+            </a:r>
+          </a:p>
+          <a:p>
+            <a:endParaRPr lang="en-US" dirty="0"/>
+          </a:p>
+          <a:p>
+            <a:pPr marL="285750" indent="-285750">
+              <a:buFontTx/>
+              <a:buChar char="-"/>
+            </a:pPr>
+            <a:r>
+              <a:rPr lang="en-US" dirty="0" err="1"/>
+              <a:t>Ex:let</a:t>
+            </a:r>
+            <a:r>
+              <a:rPr lang="en-US" dirty="0"/>
+              <a:t> </a:t>
+            </a:r>
+            <a:r>
+              <a:rPr lang="en-US" dirty="0" err="1"/>
+              <a:t>Age:number</a:t>
+            </a:r>
+            <a:r>
+              <a:rPr lang="en-US" dirty="0"/>
+              <a:t> = 26;</a:t>
+            </a:r>
+          </a:p>
+          <a:p>
+            <a:pPr marL="285750" indent="-285750">
+              <a:buFontTx/>
+              <a:buChar char="-"/>
+            </a:pPr>
+            <a:endParaRPr lang="en-US" dirty="0"/>
+          </a:p>
+          <a:p>
+            <a:pPr marL="285750" indent="-285750">
+              <a:buFontTx/>
+              <a:buChar char="-"/>
+            </a:pPr>
+            <a:r>
+              <a:rPr lang="en-US" dirty="0"/>
+              <a:t>let msg1:string = "You will be" + " " + (Age+1) + " " + "Next Year";</a:t>
+            </a:r>
+          </a:p>
+          <a:p>
+            <a:pPr marL="285750" indent="-285750">
+              <a:buFontTx/>
+              <a:buChar char="-"/>
+            </a:pPr>
+            <a:endParaRPr lang="en-US" dirty="0"/>
+          </a:p>
+          <a:p>
+            <a:pPr marL="285750" indent="-285750">
+              <a:buFontTx/>
+              <a:buChar char="-"/>
+            </a:pPr>
+            <a:r>
+              <a:rPr lang="en-US" dirty="0"/>
+              <a:t>let msg2:string = `You will be ${Age+1} Next Year`;</a:t>
+            </a:r>
+          </a:p>
+          <a:p>
+            <a:pPr marL="285750" indent="-285750">
+              <a:buFontTx/>
+              <a:buChar char="-"/>
+            </a:pPr>
+            <a:endParaRPr lang="en-US" dirty="0"/>
+          </a:p>
+          <a:p>
+            <a:pPr marL="285750" indent="-285750">
+              <a:buFontTx/>
+              <a:buChar char="-"/>
+            </a:pPr>
+            <a:r>
+              <a:rPr lang="en-US" dirty="0"/>
+              <a:t>console.log(msg1);console.log(msg2);- </a:t>
+            </a:r>
+          </a:p>
+          <a:p>
+            <a:pPr marL="285750" indent="-285750">
+              <a:buFontTx/>
+              <a:buChar char="-"/>
+            </a:pPr>
+            <a:endParaRPr lang="en-US" dirty="0"/>
+          </a:p>
+          <a:p>
+            <a:pPr marL="285750" indent="-285750">
+              <a:buFontTx/>
+              <a:buChar char="-"/>
+            </a:pPr>
+            <a:r>
+              <a:rPr lang="en-US" dirty="0"/>
+              <a:t>A string literal with special characters may escape printing for </a:t>
+            </a:r>
+            <a:r>
+              <a:rPr lang="en-US" dirty="0" err="1"/>
+              <a:t>certian</a:t>
+            </a:r>
+            <a:r>
+              <a:rPr lang="en-US" dirty="0"/>
+              <a:t> characters.</a:t>
+            </a:r>
+          </a:p>
+          <a:p>
+            <a:pPr marL="285750" indent="-285750">
+              <a:buFontTx/>
+              <a:buChar char="-"/>
+            </a:pPr>
+            <a:endParaRPr lang="en-US" dirty="0"/>
+          </a:p>
+          <a:p>
+            <a:pPr marL="285750" indent="-285750">
+              <a:buFontTx/>
+              <a:buChar char="-"/>
+            </a:pPr>
+            <a:r>
+              <a:rPr lang="en-US" dirty="0"/>
+              <a:t> You have to print the non-printable chars by using “/".</a:t>
+            </a:r>
+          </a:p>
+        </p:txBody>
+      </p:sp>
+    </p:spTree>
+    <p:extLst>
+      <p:ext uri="{BB962C8B-B14F-4D97-AF65-F5344CB8AC3E}">
+        <p14:creationId xmlns:p14="http://schemas.microsoft.com/office/powerpoint/2010/main" val="310994195"/>
+      </p:ext>
+    </p:extLst>
+  </p:cSld>
+  <p:clrMapOvr>
+    <a:masterClrMapping/>
+  </p:clrMapOvr>
+</p:sld>
+</file>
+
+<file path=ppt/slides/slide35.xml><?xml version="1.0" encoding="utf-8"?>
+<p:sld xmlns:a="http://schemas.openxmlformats.org/drawingml/2006/main" xmlns:r="http://schemas.openxmlformats.org/officeDocument/2006/relationships" xmlns:p="http://schemas.openxmlformats.org/presentationml/2006/main">
+  <p:cSld>
+    <p:spTree>
+      <p:nvGrpSpPr>
+        <p:cNvPr id="1" name=""/>
+        <p:cNvGrpSpPr/>
+        <p:nvPr/>
+      </p:nvGrpSpPr>
+      <p:grpSpPr>
+        <a:xfrm>
+          <a:off x="0" y="0"/>
+          <a:ext cx="0" cy="0"/>
+          <a:chOff x="0" y="0"/>
+          <a:chExt cx="0" cy="0"/>
+        </a:xfrm>
+      </p:grpSpPr>
+      <p:sp>
+        <p:nvSpPr>
+          <p:cNvPr id="2" name="TextBox 1">
+            <a:extLst>
+              <a:ext uri="{FF2B5EF4-FFF2-40B4-BE49-F238E27FC236}">
+                <a16:creationId xmlns:a16="http://schemas.microsoft.com/office/drawing/2014/main" id="{112AABAF-5F49-48A5-8D46-3A628EB3753D}"/>
+              </a:ext>
+            </a:extLst>
+          </p:cNvPr>
+          <p:cNvSpPr txBox="1"/>
+          <p:nvPr/>
+        </p:nvSpPr>
+        <p:spPr>
+          <a:xfrm flipH="1">
+            <a:off x="-1" y="1"/>
+            <a:ext cx="12191999" cy="2585323"/>
+          </a:xfrm>
+          <a:prstGeom prst="rect">
+            <a:avLst/>
+          </a:prstGeom>
+          <a:noFill/>
+        </p:spPr>
+        <p:txBody>
+          <a:bodyPr wrap="square" rtlCol="0">
+            <a:spAutoFit/>
+          </a:bodyPr>
+          <a:lstStyle/>
+          <a:p>
+            <a:r>
+              <a:rPr lang="en-US" dirty="0" err="1"/>
+              <a:t>Ex:let</a:t>
+            </a:r>
+            <a:r>
+              <a:rPr lang="en-US" dirty="0"/>
+              <a:t> </a:t>
+            </a:r>
+            <a:r>
+              <a:rPr lang="en-US" dirty="0" err="1"/>
+              <a:t>Age:number</a:t>
+            </a:r>
+            <a:r>
+              <a:rPr lang="en-US" dirty="0"/>
+              <a:t> = 26;</a:t>
+            </a:r>
+          </a:p>
+          <a:p>
+            <a:endParaRPr lang="en-US" dirty="0"/>
+          </a:p>
+          <a:p>
+            <a:r>
+              <a:rPr lang="en-US" dirty="0"/>
+              <a:t>let msg1:string = "You will be" + " " + (Age+1) + " " + "Next Year";</a:t>
+            </a:r>
+          </a:p>
+          <a:p>
+            <a:endParaRPr lang="en-US" dirty="0"/>
+          </a:p>
+          <a:p>
+            <a:r>
+              <a:rPr lang="en-US" dirty="0"/>
+              <a:t>let msg2:string = `You will be ${Age+1} Next Year`;console.log(msg1);console.log(msg2);- </a:t>
+            </a:r>
+          </a:p>
+          <a:p>
+            <a:r>
+              <a:rPr lang="en-US" dirty="0"/>
+              <a:t>A string literal with special characters may escape printing for </a:t>
+            </a:r>
+            <a:r>
+              <a:rPr lang="en-US" dirty="0" err="1"/>
+              <a:t>certian</a:t>
+            </a:r>
+            <a:r>
+              <a:rPr lang="en-US" dirty="0"/>
+              <a:t> characters. </a:t>
+            </a:r>
+          </a:p>
+          <a:p>
+            <a:endParaRPr lang="en-US" dirty="0"/>
+          </a:p>
+          <a:p>
+            <a:r>
+              <a:rPr lang="en-US" dirty="0"/>
+              <a:t>You have to print the non-printable chars by using “\".</a:t>
+            </a:r>
+            <a:r>
+              <a:rPr lang="en-US" dirty="0" err="1"/>
+              <a:t>Ex:let</a:t>
+            </a:r>
+            <a:r>
+              <a:rPr lang="en-US" dirty="0"/>
+              <a:t> </a:t>
+            </a:r>
+            <a:r>
+              <a:rPr lang="en-US" dirty="0" err="1"/>
+              <a:t>path:string</a:t>
+            </a:r>
+            <a:r>
+              <a:rPr lang="en-US" dirty="0"/>
+              <a:t> = "\"D:\\Images\\Pic\\tv.jpg\"";console.log("Path=" + path);O/P :     "D:\Images\Pic\tv.jpg"</a:t>
+            </a:r>
+          </a:p>
+        </p:txBody>
+      </p:sp>
+    </p:spTree>
+    <p:extLst>
+      <p:ext uri="{BB962C8B-B14F-4D97-AF65-F5344CB8AC3E}">
+        <p14:creationId xmlns:p14="http://schemas.microsoft.com/office/powerpoint/2010/main" val="2998426858"/>
+      </p:ext>
+    </p:extLst>
+  </p:cSld>
+  <p:clrMapOvr>
+    <a:masterClrMapping/>
+  </p:clrMapOvr>
+</p:sld>
+</file>
+
+<file path=ppt/slides/slide36.xml><?xml version="1.0" encoding="utf-8"?>
+<p:sld xmlns:a="http://schemas.openxmlformats.org/drawingml/2006/main" xmlns:r="http://schemas.openxmlformats.org/officeDocument/2006/relationships" xmlns:p="http://schemas.openxmlformats.org/presentationml/2006/main">
+  <p:cSld>
+    <p:spTree>
+      <p:nvGrpSpPr>
+        <p:cNvPr id="1" name=""/>
+        <p:cNvGrpSpPr/>
+        <p:nvPr/>
+      </p:nvGrpSpPr>
+      <p:grpSpPr>
+        <a:xfrm>
+          <a:off x="0" y="0"/>
+          <a:ext cx="0" cy="0"/>
+          <a:chOff x="0" y="0"/>
+          <a:chExt cx="0" cy="0"/>
+        </a:xfrm>
+      </p:grpSpPr>
+      <p:sp>
+        <p:nvSpPr>
+          <p:cNvPr id="2" name="TextBox 1">
+            <a:extLst>
+              <a:ext uri="{FF2B5EF4-FFF2-40B4-BE49-F238E27FC236}">
+                <a16:creationId xmlns:a16="http://schemas.microsoft.com/office/drawing/2014/main" id="{29E7EC61-627C-428F-92EA-7E35FEAA87D6}"/>
+              </a:ext>
+            </a:extLst>
+          </p:cNvPr>
+          <p:cNvSpPr txBox="1"/>
+          <p:nvPr/>
+        </p:nvSpPr>
+        <p:spPr>
+          <a:xfrm>
+            <a:off x="5638800" y="2974109"/>
+            <a:ext cx="914400" cy="914400"/>
+          </a:xfrm>
+          <a:prstGeom prst="rect">
+            <a:avLst/>
+          </a:prstGeom>
+          <a:noFill/>
+        </p:spPr>
+        <p:txBody>
+          <a:bodyPr wrap="square" rtlCol="0">
+            <a:spAutoFit/>
+          </a:bodyPr>
+          <a:lstStyle/>
+          <a:p>
+            <a:endParaRPr lang="en-US" dirty="0"/>
+          </a:p>
+        </p:txBody>
+      </p:sp>
+      <p:sp>
+        <p:nvSpPr>
+          <p:cNvPr id="3" name="TextBox 2">
+            <a:extLst>
+              <a:ext uri="{FF2B5EF4-FFF2-40B4-BE49-F238E27FC236}">
+                <a16:creationId xmlns:a16="http://schemas.microsoft.com/office/drawing/2014/main" id="{6CF838B0-B200-4AC8-9D5E-90B251545ACF}"/>
+              </a:ext>
+            </a:extLst>
+          </p:cNvPr>
+          <p:cNvSpPr txBox="1"/>
+          <p:nvPr/>
+        </p:nvSpPr>
+        <p:spPr>
+          <a:xfrm>
+            <a:off x="0" y="83128"/>
+            <a:ext cx="12192000" cy="6463308"/>
+          </a:xfrm>
+          <a:prstGeom prst="rect">
+            <a:avLst/>
+          </a:prstGeom>
+          <a:noFill/>
+        </p:spPr>
+        <p:txBody>
+          <a:bodyPr wrap="square" rtlCol="0">
+            <a:spAutoFit/>
+          </a:bodyPr>
+          <a:lstStyle/>
+          <a:p>
+            <a:r>
+              <a:rPr lang="en-US" dirty="0"/>
+              <a:t>4. undefined type: </a:t>
+            </a:r>
+          </a:p>
+          <a:p>
+            <a:endParaRPr lang="en-US" dirty="0"/>
+          </a:p>
+          <a:p>
+            <a:r>
+              <a:rPr lang="en-US" dirty="0"/>
+              <a:t> Undefined is a type defined for variables that are not configured with a value </a:t>
+            </a:r>
+            <a:r>
+              <a:rPr lang="en-US" dirty="0" err="1"/>
+              <a:t>i.e</a:t>
+            </a:r>
+            <a:r>
+              <a:rPr lang="en-US" dirty="0"/>
+              <a:t> </a:t>
+            </a:r>
+          </a:p>
+          <a:p>
+            <a:endParaRPr lang="en-US" dirty="0"/>
+          </a:p>
+          <a:p>
+            <a:r>
+              <a:rPr lang="en-US" dirty="0"/>
+              <a:t>variable is declared but value not assigned.</a:t>
+            </a:r>
+          </a:p>
+          <a:p>
+            <a:endParaRPr lang="en-US" dirty="0"/>
+          </a:p>
+          <a:p>
+            <a:r>
+              <a:rPr lang="en-US" dirty="0"/>
+              <a:t>	The keyword undefined is used to verify the value defined or not.</a:t>
+            </a:r>
+          </a:p>
+          <a:p>
+            <a:endParaRPr lang="en-US" dirty="0"/>
+          </a:p>
+          <a:p>
+            <a:r>
+              <a:rPr lang="en-US" dirty="0" err="1"/>
+              <a:t>Ex:let</a:t>
+            </a:r>
+            <a:r>
+              <a:rPr lang="en-US" dirty="0"/>
+              <a:t> </a:t>
+            </a:r>
+            <a:r>
+              <a:rPr lang="en-US" dirty="0" err="1"/>
+              <a:t>price:number;price</a:t>
+            </a:r>
+            <a:r>
+              <a:rPr lang="en-US" dirty="0"/>
+              <a:t> = 45000.54;if(price==undefined) {    console.log("Please Provide Price");} else {console.log(`Price = ${price}`);}</a:t>
+            </a:r>
+          </a:p>
+          <a:p>
+            <a:endParaRPr lang="en-US" dirty="0"/>
+          </a:p>
+          <a:p>
+            <a:endParaRPr lang="en-US" dirty="0"/>
+          </a:p>
+          <a:p>
+            <a:r>
+              <a:rPr lang="en-US" dirty="0"/>
+              <a:t>Note: TypeScript supports union of types. A variable can be declared with multiple types.	       let  variableName:dataType1|dataType2|.</a:t>
+            </a:r>
+          </a:p>
+          <a:p>
+            <a:endParaRPr lang="en-US" dirty="0"/>
+          </a:p>
+          <a:p>
+            <a:endParaRPr lang="en-US" dirty="0"/>
+          </a:p>
+          <a:p>
+            <a:r>
+              <a:rPr lang="en-US" dirty="0"/>
+              <a:t>.;</a:t>
+            </a:r>
+            <a:r>
+              <a:rPr lang="en-US" dirty="0" err="1"/>
+              <a:t>Ex:let</a:t>
+            </a:r>
+            <a:r>
+              <a:rPr lang="en-US" dirty="0"/>
+              <a:t> </a:t>
+            </a:r>
+            <a:r>
+              <a:rPr lang="en-US" dirty="0" err="1"/>
+              <a:t>price:number|undefined;if</a:t>
+            </a:r>
+            <a:r>
+              <a:rPr lang="en-US" dirty="0"/>
+              <a:t>(price==undefined) {    console.log("Please Provide Price");} else {console.log(`Price = ${price}`);}5. </a:t>
+            </a:r>
+          </a:p>
+          <a:p>
+            <a:endParaRPr lang="en-US" dirty="0"/>
+          </a:p>
+          <a:p>
+            <a:endParaRPr lang="en-US"/>
+          </a:p>
+          <a:p>
+            <a:r>
+              <a:rPr lang="en-US"/>
+              <a:t>null </a:t>
+            </a:r>
+            <a:r>
+              <a:rPr lang="en-US" dirty="0"/>
+              <a:t>type:  Null is a type that returned when no-reference found for a variable during runtime.	     Null is an exception caught at </a:t>
+            </a:r>
+            <a:r>
+              <a:rPr lang="en-US" dirty="0" err="1"/>
+              <a:t>runat</a:t>
+            </a:r>
+            <a:r>
+              <a:rPr lang="en-US" dirty="0"/>
+              <a:t> when value is not defined for any reference. You can verify by using the keyword "null".</a:t>
+            </a:r>
+          </a:p>
+        </p:txBody>
+      </p:sp>
+    </p:spTree>
+    <p:extLst>
+      <p:ext uri="{BB962C8B-B14F-4D97-AF65-F5344CB8AC3E}">
+        <p14:creationId xmlns:p14="http://schemas.microsoft.com/office/powerpoint/2010/main" val="2340152305"/>
+      </p:ext>
+    </p:extLst>
+  </p:cSld>
+  <p:clrMapOvr>
+    <a:masterClrMapping/>
+  </p:clrMapOvr>
+</p:sld>
+</file>
+
+<file path=ppt/slides/slide37.xml><?xml version="1.0" encoding="utf-8"?>
+<p:sld xmlns:a="http://schemas.openxmlformats.org/drawingml/2006/main" xmlns:r="http://schemas.openxmlformats.org/officeDocument/2006/relationships" xmlns:p="http://schemas.openxmlformats.org/presentationml/2006/main">
+  <p:cSld>
+    <p:spTree>
+      <p:nvGrpSpPr>
+        <p:cNvPr id="1" name=""/>
+        <p:cNvGrpSpPr/>
+        <p:nvPr/>
+      </p:nvGrpSpPr>
+      <p:grpSpPr>
+        <a:xfrm>
+          <a:off x="0" y="0"/>
+          <a:ext cx="0" cy="0"/>
+          <a:chOff x="0" y="0"/>
+          <a:chExt cx="0" cy="0"/>
+        </a:xfrm>
+      </p:grpSpPr>
+    </p:spTree>
+    <p:extLst>
+      <p:ext uri="{BB962C8B-B14F-4D97-AF65-F5344CB8AC3E}">
+        <p14:creationId xmlns:p14="http://schemas.microsoft.com/office/powerpoint/2010/main" val="1144769905"/>
       </p:ext>
     </p:extLst>
   </p:cSld>
